--- a/python/presentations/learning_python/15_ceda-py-summary.pptx
+++ b/python/presentations/learning_python/15_ceda-py-summary.pptx
@@ -373,7 +373,7 @@
           </a:lstStyle>
           <a:p>
             <a:r>
-              <a:rPr lang="en-US" smtClean="0"/>
+              <a:rPr lang="en-US"/>
               <a:t>Click to edit Master title style</a:t>
             </a:r>
             <a:endParaRPr lang="en-US" dirty="0"/>
@@ -449,7 +449,7 @@
           </a:lstStyle>
           <a:p>
             <a:r>
-              <a:rPr lang="en-US" smtClean="0"/>
+              <a:rPr lang="en-US"/>
               <a:t>Click to edit Master subtitle style</a:t>
             </a:r>
             <a:endParaRPr lang="en-US" dirty="0"/>
@@ -518,7 +518,7 @@
           </a:lstStyle>
           <a:p>
             <a:r>
-              <a:rPr lang="en-US" smtClean="0"/>
+              <a:rPr lang="en-US"/>
               <a:t>Click to edit Master title style</a:t>
             </a:r>
             <a:endParaRPr lang="en-US" dirty="0"/>
@@ -592,7 +592,7 @@
           </a:lstStyle>
           <a:p>
             <a:r>
-              <a:rPr lang="en-US" smtClean="0"/>
+              <a:rPr lang="en-US"/>
               <a:t>Click to edit Master subtitle style</a:t>
             </a:r>
             <a:endParaRPr lang="en-US" dirty="0"/>
@@ -639,7 +639,7 @@
           <a:p>
             <a:pPr lvl="0"/>
             <a:r>
-              <a:rPr lang="en-US" noProof="0" smtClean="0"/>
+              <a:rPr lang="en-US" noProof="0"/>
               <a:t>Click icon to add picture</a:t>
             </a:r>
             <a:endParaRPr lang="en-GB" noProof="0" dirty="0"/>
@@ -687,7 +687,7 @@
               <a:pPr>
                 <a:defRPr/>
               </a:pPr>
-              <a:t>18/12/2018</a:t>
+              <a:t>17/11/2021</a:t>
             </a:fld>
             <a:endParaRPr lang="en-GB"/>
           </a:p>
@@ -755,7 +755,7 @@
           </a:lstStyle>
           <a:p>
             <a:r>
-              <a:rPr lang="en-US" smtClean="0"/>
+              <a:rPr lang="en-US"/>
               <a:t>Click to edit Master title style</a:t>
             </a:r>
             <a:endParaRPr lang="en-US" dirty="0"/>
@@ -829,7 +829,7 @@
           </a:lstStyle>
           <a:p>
             <a:r>
-              <a:rPr lang="en-US" smtClean="0"/>
+              <a:rPr lang="en-US"/>
               <a:t>Click to edit Master subtitle style</a:t>
             </a:r>
             <a:endParaRPr lang="en-US" dirty="0"/>
@@ -876,7 +876,7 @@
           <a:p>
             <a:pPr lvl="0"/>
             <a:r>
-              <a:rPr lang="en-US" noProof="0" smtClean="0"/>
+              <a:rPr lang="en-US" noProof="0"/>
               <a:t>Click icon to add picture</a:t>
             </a:r>
             <a:endParaRPr lang="en-GB" noProof="0" dirty="0"/>
@@ -924,7 +924,7 @@
               <a:pPr>
                 <a:defRPr/>
               </a:pPr>
-              <a:t>18/12/2018</a:t>
+              <a:t>17/11/2021</a:t>
             </a:fld>
             <a:endParaRPr lang="en-GB"/>
           </a:p>
@@ -1027,7 +1027,7 @@
           </a:lstStyle>
           <a:p>
             <a:r>
-              <a:rPr lang="en-US" smtClean="0"/>
+              <a:rPr lang="en-US"/>
               <a:t>Click to edit Master title style</a:t>
             </a:r>
             <a:endParaRPr lang="en-US" dirty="0"/>
@@ -1074,7 +1074,7 @@
           <a:p>
             <a:pPr lvl="0"/>
             <a:r>
-              <a:rPr lang="en-US" noProof="0" smtClean="0"/>
+              <a:rPr lang="en-US" noProof="0"/>
               <a:t>Click icon to add picture</a:t>
             </a:r>
             <a:endParaRPr lang="en-GB" noProof="0" dirty="0"/>
@@ -1130,35 +1130,35 @@
           <a:p>
             <a:pPr lvl="0"/>
             <a:r>
-              <a:rPr lang="en-US" smtClean="0"/>
+              <a:rPr lang="en-US"/>
               <a:t>Edit Master text styles</a:t>
             </a:r>
           </a:p>
           <a:p>
             <a:pPr lvl="1"/>
             <a:r>
-              <a:rPr lang="en-US" smtClean="0"/>
+              <a:rPr lang="en-US"/>
               <a:t>Second level</a:t>
             </a:r>
           </a:p>
           <a:p>
             <a:pPr lvl="2"/>
             <a:r>
-              <a:rPr lang="en-US" smtClean="0"/>
+              <a:rPr lang="en-US"/>
               <a:t>Third level</a:t>
             </a:r>
           </a:p>
           <a:p>
             <a:pPr lvl="3"/>
             <a:r>
-              <a:rPr lang="en-US" smtClean="0"/>
+              <a:rPr lang="en-US"/>
               <a:t>Fourth level</a:t>
             </a:r>
           </a:p>
           <a:p>
             <a:pPr lvl="4"/>
             <a:r>
-              <a:rPr lang="en-US" smtClean="0"/>
+              <a:rPr lang="en-US"/>
               <a:t>Fifth level</a:t>
             </a:r>
             <a:endParaRPr lang="en-US" dirty="0"/>
@@ -1262,7 +1262,7 @@
           </a:lstStyle>
           <a:p>
             <a:r>
-              <a:rPr lang="en-US" smtClean="0"/>
+              <a:rPr lang="en-US"/>
               <a:t>Click to edit Master title style</a:t>
             </a:r>
             <a:endParaRPr lang="en-US" dirty="0"/>
@@ -1318,35 +1318,35 @@
           <a:p>
             <a:pPr lvl="0"/>
             <a:r>
-              <a:rPr lang="en-US" smtClean="0"/>
+              <a:rPr lang="en-US"/>
               <a:t>Edit Master text styles</a:t>
             </a:r>
           </a:p>
           <a:p>
             <a:pPr lvl="1"/>
             <a:r>
-              <a:rPr lang="en-US" smtClean="0"/>
+              <a:rPr lang="en-US"/>
               <a:t>Second level</a:t>
             </a:r>
           </a:p>
           <a:p>
             <a:pPr lvl="2"/>
             <a:r>
-              <a:rPr lang="en-US" smtClean="0"/>
+              <a:rPr lang="en-US"/>
               <a:t>Third level</a:t>
             </a:r>
           </a:p>
           <a:p>
             <a:pPr lvl="3"/>
             <a:r>
-              <a:rPr lang="en-US" smtClean="0"/>
+              <a:rPr lang="en-US"/>
               <a:t>Fourth level</a:t>
             </a:r>
           </a:p>
           <a:p>
             <a:pPr lvl="4"/>
             <a:r>
-              <a:rPr lang="en-US" smtClean="0"/>
+              <a:rPr lang="en-US"/>
               <a:t>Fifth level</a:t>
             </a:r>
             <a:endParaRPr lang="en-US" dirty="0"/>
@@ -1427,7 +1427,7 @@
           </a:lstStyle>
           <a:p>
             <a:r>
-              <a:rPr lang="en-US" smtClean="0"/>
+              <a:rPr lang="en-US"/>
               <a:t>Click to edit Master title style</a:t>
             </a:r>
             <a:endParaRPr lang="en-US" dirty="0"/>
@@ -1501,7 +1501,7 @@
           </a:lstStyle>
           <a:p>
             <a:r>
-              <a:rPr lang="en-US" smtClean="0"/>
+              <a:rPr lang="en-US"/>
               <a:t>Click to edit Master subtitle style</a:t>
             </a:r>
             <a:endParaRPr lang="en-US" dirty="0"/>
@@ -1554,7 +1554,7 @@
           <a:lstStyle/>
           <a:p>
             <a:r>
-              <a:rPr lang="en-US" smtClean="0"/>
+              <a:rPr lang="en-US"/>
               <a:t>Click to edit Master title style</a:t>
             </a:r>
             <a:endParaRPr lang="en-GB"/>
@@ -1578,35 +1578,35 @@
           <a:p>
             <a:pPr lvl="0"/>
             <a:r>
-              <a:rPr lang="en-US" smtClean="0"/>
+              <a:rPr lang="en-US"/>
               <a:t>Click to edit Master text styles</a:t>
             </a:r>
           </a:p>
           <a:p>
             <a:pPr lvl="1"/>
             <a:r>
-              <a:rPr lang="en-US" smtClean="0"/>
+              <a:rPr lang="en-US"/>
               <a:t>Second level</a:t>
             </a:r>
           </a:p>
           <a:p>
             <a:pPr lvl="2"/>
             <a:r>
-              <a:rPr lang="en-US" smtClean="0"/>
+              <a:rPr lang="en-US"/>
               <a:t>Third level</a:t>
             </a:r>
           </a:p>
           <a:p>
             <a:pPr lvl="3"/>
             <a:r>
-              <a:rPr lang="en-US" smtClean="0"/>
+              <a:rPr lang="en-US"/>
               <a:t>Fourth level</a:t>
             </a:r>
           </a:p>
           <a:p>
             <a:pPr lvl="4"/>
             <a:r>
-              <a:rPr lang="en-US" smtClean="0"/>
+              <a:rPr lang="en-US"/>
               <a:t>Fifth level</a:t>
             </a:r>
             <a:endParaRPr lang="en-GB"/>
@@ -1645,7 +1645,7 @@
               <a:pPr>
                 <a:defRPr/>
               </a:pPr>
-              <a:t>18/12/2018</a:t>
+              <a:t>17/11/2021</a:t>
             </a:fld>
             <a:endParaRPr lang="en-GB"/>
           </a:p>
@@ -1782,7 +1782,7 @@
               <a:pPr>
                 <a:defRPr/>
               </a:pPr>
-              <a:t>18/12/2018</a:t>
+              <a:t>17/11/2021</a:t>
             </a:fld>
             <a:endParaRPr lang="en-GB"/>
           </a:p>
@@ -2113,35 +2113,35 @@
           <a:p>
             <a:pPr lvl="0"/>
             <a:r>
-              <a:rPr lang="en-US" altLang="en-US" smtClean="0"/>
+              <a:rPr lang="en-US" altLang="en-US"/>
               <a:t>Edit Master text styles</a:t>
             </a:r>
           </a:p>
           <a:p>
             <a:pPr lvl="1"/>
             <a:r>
-              <a:rPr lang="en-US" altLang="en-US" smtClean="0"/>
+              <a:rPr lang="en-US" altLang="en-US"/>
               <a:t>Second level</a:t>
             </a:r>
           </a:p>
           <a:p>
             <a:pPr lvl="2"/>
             <a:r>
-              <a:rPr lang="en-US" altLang="en-US" smtClean="0"/>
+              <a:rPr lang="en-US" altLang="en-US"/>
               <a:t>Third level</a:t>
             </a:r>
           </a:p>
           <a:p>
             <a:pPr lvl="3"/>
             <a:r>
-              <a:rPr lang="en-US" altLang="en-US" smtClean="0"/>
+              <a:rPr lang="en-US" altLang="en-US"/>
               <a:t>Fourth level</a:t>
             </a:r>
           </a:p>
           <a:p>
             <a:pPr lvl="4"/>
             <a:r>
-              <a:rPr lang="en-US" altLang="en-US" smtClean="0"/>
+              <a:rPr lang="en-US" altLang="en-US"/>
               <a:t>Fifth level</a:t>
             </a:r>
           </a:p>
@@ -2356,10 +2356,10 @@
           <a:p>
             <a:pPr lvl="0"/>
             <a:r>
-              <a:rPr lang="en-US" altLang="en-US" smtClean="0"/>
+              <a:rPr lang="en-US" altLang="en-US"/>
               <a:t>Click to edit Master title style</a:t>
             </a:r>
-            <a:endParaRPr lang="en-GB" altLang="en-US" smtClean="0"/>
+            <a:endParaRPr lang="en-GB" altLang="en-US"/>
           </a:p>
         </p:txBody>
       </p:sp>
@@ -2858,7 +2858,7 @@
           <a:lstStyle/>
           <a:p>
             <a:r>
-              <a:rPr lang="en-GB" altLang="en-US" smtClean="0"/>
+              <a:rPr lang="en-GB" altLang="en-US"/>
               <a:t>Python</a:t>
             </a:r>
           </a:p>
@@ -2885,7 +2885,7 @@
           <a:lstStyle/>
           <a:p>
             <a:r>
-              <a:rPr lang="en-GB" altLang="en-US" smtClean="0"/>
+              <a:rPr lang="en-GB" altLang="en-US"/>
               <a:t>Summary &amp; where next?</a:t>
             </a:r>
           </a:p>
@@ -3004,17 +3004,8 @@
               <a:rPr lang="en-GB" sz="1400" dirty="0">
                 <a:latin typeface="+mn-lt"/>
               </a:rPr>
-              <a:t> Da Costa, Wendy Garland, Alan </a:t>
-            </a:r>
-            <a:r>
-              <a:rPr lang="en-GB" sz="1400" dirty="0" smtClean="0">
-                <a:latin typeface="+mn-lt"/>
-              </a:rPr>
-              <a:t>Iwi, Matt Pritchard and Tommy Godfrey.</a:t>
-            </a:r>
-            <a:endParaRPr lang="en-GB" sz="1400" dirty="0">
-              <a:latin typeface="+mn-lt"/>
-            </a:endParaRPr>
+              <a:t> Da Costa, Wendy Garland, Alan Iwi, Matt Pritchard and Tommy Godfrey.</a:t>
+            </a:r>
           </a:p>
         </p:txBody>
       </p:sp>
@@ -3059,7 +3050,7 @@
           <a:lstStyle/>
           <a:p>
             <a:r>
-              <a:rPr lang="en-GB" altLang="en-US" b="1" smtClean="0"/>
+              <a:rPr lang="en-GB" altLang="en-US" b="1"/>
               <a:t>What have we looked at</a:t>
             </a:r>
           </a:p>
@@ -3081,62 +3072,57 @@
           <a:lstStyle/>
           <a:p>
             <a:r>
-              <a:rPr lang="en-GB" altLang="en-US" dirty="0" smtClean="0"/>
+              <a:rPr lang="en-GB" altLang="en-US" dirty="0"/>
               <a:t>Basics and control flow, </a:t>
             </a:r>
             <a:r>
-              <a:rPr lang="en-GB" altLang="en-US" dirty="0" err="1" smtClean="0"/>
+              <a:rPr lang="en-GB" altLang="en-US" dirty="0" err="1"/>
               <a:t>booleans</a:t>
             </a:r>
-            <a:endParaRPr lang="en-GB" altLang="en-US" dirty="0" smtClean="0"/>
-          </a:p>
-          <a:p>
-            <a:r>
-              <a:rPr lang="en-GB" altLang="en-US" dirty="0" smtClean="0"/>
+            <a:endParaRPr lang="en-GB" altLang="en-US" dirty="0"/>
+          </a:p>
+          <a:p>
+            <a:r>
+              <a:rPr lang="en-GB" altLang="en-US" dirty="0"/>
               <a:t>Lists, slicing and tuples</a:t>
             </a:r>
           </a:p>
           <a:p>
             <a:r>
-              <a:rPr lang="en-GB" altLang="en-US" dirty="0" smtClean="0"/>
+              <a:rPr lang="en-GB" altLang="en-US" dirty="0"/>
               <a:t>Input/output</a:t>
             </a:r>
           </a:p>
           <a:p>
             <a:r>
-              <a:rPr lang="en-GB" altLang="en-US" dirty="0" smtClean="0"/>
+              <a:rPr lang="en-GB" altLang="en-US" dirty="0"/>
               <a:t>Strings and text processing</a:t>
             </a:r>
           </a:p>
           <a:p>
             <a:r>
-              <a:rPr lang="en-GB" altLang="en-US" dirty="0" smtClean="0"/>
+              <a:rPr lang="en-GB" altLang="en-US" dirty="0"/>
               <a:t>Functions, libraries and scripts</a:t>
             </a:r>
           </a:p>
           <a:p>
             <a:r>
-              <a:rPr lang="en-GB" altLang="en-US" dirty="0" smtClean="0"/>
+              <a:rPr lang="en-GB" altLang="en-US" dirty="0"/>
               <a:t>Sets and dictionaries</a:t>
             </a:r>
           </a:p>
           <a:p>
             <a:r>
-              <a:rPr lang="en-GB" altLang="en-US" dirty="0" smtClean="0"/>
-              <a:t>Errors and </a:t>
-            </a:r>
-            <a:r>
-              <a:rPr lang="en-GB" altLang="en-US" dirty="0" smtClean="0"/>
-              <a:t>debugging</a:t>
-            </a:r>
-            <a:endParaRPr lang="en-GB" altLang="en-US" dirty="0" smtClean="0"/>
-          </a:p>
-          <a:p>
-            <a:r>
-              <a:rPr lang="en-GB" altLang="en-US" dirty="0" smtClean="0"/>
+              <a:rPr lang="en-GB" altLang="en-US" dirty="0"/>
+              <a:t>Errors and debugging</a:t>
+            </a:r>
+          </a:p>
+          <a:p>
+            <a:r>
+              <a:rPr lang="en-GB" altLang="en-US" dirty="0"/>
               <a:t>OOP</a:t>
             </a:r>
-            <a:endParaRPr lang="en-GB" altLang="en-US" sz="1600" dirty="0" smtClean="0"/>
+            <a:endParaRPr lang="en-GB" altLang="en-US" sz="1600" dirty="0"/>
           </a:p>
         </p:txBody>
       </p:sp>
@@ -3145,13 +3131,6 @@
   <p:clrMapOvr>
     <a:masterClrMapping/>
   </p:clrMapOvr>
-  <p:timing>
-    <p:tnLst>
-      <p:par>
-        <p:cTn id="1" dur="indefinite" restart="never" nodeType="tmRoot"/>
-      </p:par>
-    </p:tnLst>
-  </p:timing>
 </p:sld>
 </file>
 
@@ -3188,7 +3167,7 @@
           <a:lstStyle/>
           <a:p>
             <a:r>
-              <a:rPr lang="en-GB" altLang="en-US" b="1" smtClean="0"/>
+              <a:rPr lang="en-GB" altLang="en-US" b="1"/>
               <a:t>What haven't we looked at</a:t>
             </a:r>
           </a:p>
@@ -3214,7 +3193,7 @@
               <a:buNone/>
             </a:pPr>
             <a:r>
-              <a:rPr lang="en-GB" altLang="en-US" smtClean="0"/>
+              <a:rPr lang="en-GB" altLang="en-US"/>
               <a:t>Of course there is a lot more to python - if only we had more time…</a:t>
             </a:r>
           </a:p>
@@ -3225,13 +3204,6 @@
   <p:clrMapOvr>
     <a:masterClrMapping/>
   </p:clrMapOvr>
-  <p:timing>
-    <p:tnLst>
-      <p:par>
-        <p:cTn id="1" dur="indefinite" restart="never" nodeType="tmRoot"/>
-      </p:par>
-    </p:tnLst>
-  </p:timing>
 </p:sld>
 </file>
 
@@ -3268,7 +3240,7 @@
           <a:lstStyle/>
           <a:p>
             <a:r>
-              <a:rPr lang="en-GB" altLang="en-US" b="1" smtClean="0"/>
+              <a:rPr lang="en-GB" altLang="en-US" b="1"/>
               <a:t>Where to go next?</a:t>
             </a:r>
           </a:p>
@@ -3290,40 +3262,40 @@
           <a:lstStyle/>
           <a:p>
             <a:r>
-              <a:rPr lang="en-GB" altLang="en-US" smtClean="0"/>
+              <a:rPr lang="en-GB" altLang="en-US"/>
               <a:t>The best way to learn is to play...</a:t>
             </a:r>
           </a:p>
           <a:p>
             <a:r>
-              <a:rPr lang="en-GB" altLang="en-US" smtClean="0"/>
+              <a:rPr lang="en-GB" altLang="en-US"/>
               <a:t>Get python installed on your desktop/laptop (on Windows, MAC or Linux).</a:t>
             </a:r>
           </a:p>
           <a:p>
             <a:r>
-              <a:rPr lang="en-GB" altLang="en-US" smtClean="0"/>
+              <a:rPr lang="en-GB" altLang="en-US"/>
               <a:t>Use it to:</a:t>
             </a:r>
           </a:p>
           <a:p>
             <a:pPr lvl="1"/>
             <a:r>
-              <a:rPr lang="en-GB" altLang="en-US" smtClean="0"/>
+              <a:rPr lang="en-GB" altLang="en-US"/>
               <a:t>Read/write files</a:t>
             </a:r>
           </a:p>
           <a:p>
             <a:pPr lvl="1"/>
             <a:r>
-              <a:rPr lang="en-GB" altLang="en-US" smtClean="0"/>
+              <a:rPr lang="en-GB" altLang="en-US"/>
               <a:t>Move/copy files/folders using scripts</a:t>
             </a:r>
           </a:p>
           <a:p>
             <a:pPr lvl="1"/>
             <a:r>
-              <a:rPr lang="en-GB" altLang="en-US" smtClean="0"/>
+              <a:rPr lang="en-GB" altLang="en-US"/>
               <a:t>Make some nice plots</a:t>
             </a:r>
           </a:p>
@@ -3332,7 +3304,7 @@
               <a:buFont typeface="Arial" panose="020B0604020202020204" pitchFamily="34" charset="0"/>
               <a:buNone/>
             </a:pPr>
-            <a:endParaRPr lang="en-GB" altLang="en-US" smtClean="0"/>
+            <a:endParaRPr lang="en-GB" altLang="en-US"/>
           </a:p>
         </p:txBody>
       </p:sp>
@@ -3341,13 +3313,6 @@
   <p:clrMapOvr>
     <a:masterClrMapping/>
   </p:clrMapOvr>
-  <p:timing>
-    <p:tnLst>
-      <p:par>
-        <p:cTn id="1" dur="indefinite" restart="never" nodeType="tmRoot"/>
-      </p:par>
-    </p:tnLst>
-  </p:timing>
 </p:sld>
 </file>
 
@@ -3384,7 +3349,7 @@
           <a:lstStyle/>
           <a:p>
             <a:r>
-              <a:rPr lang="en-GB" altLang="en-US" b="1" smtClean="0"/>
+              <a:rPr lang="en-GB" altLang="en-US" b="1"/>
               <a:t>Places to learn more/practice</a:t>
             </a:r>
           </a:p>
@@ -3406,7 +3371,7 @@
           <a:lstStyle/>
           <a:p>
             <a:r>
-              <a:rPr lang="en-GB" altLang="en-US" smtClean="0"/>
+              <a:rPr lang="en-GB" altLang="en-US" dirty="0"/>
               <a:t>Code Academy site has great exercises:</a:t>
             </a:r>
           </a:p>
@@ -3416,25 +3381,42 @@
               <a:buNone/>
             </a:pPr>
             <a:r>
-              <a:rPr lang="en-GB" altLang="en-US" smtClean="0"/>
+              <a:rPr lang="en-GB" altLang="en-US" dirty="0"/>
               <a:t>	 </a:t>
             </a:r>
             <a:r>
-              <a:rPr lang="en-GB" altLang="en-US" smtClean="0">
+              <a:rPr lang="en-GB" altLang="en-US" dirty="0">
                 <a:hlinkClick r:id="rId2"/>
               </a:rPr>
               <a:t>https://www.codecademy.com/learn/learn-python</a:t>
             </a:r>
-            <a:endParaRPr lang="en-GB" altLang="en-US" smtClean="0"/>
-          </a:p>
-          <a:p>
-            <a:r>
-              <a:rPr lang="en-GB" altLang="en-US" i="1" smtClean="0"/>
-              <a:t>Learning Python</a:t>
-            </a:r>
-            <a:r>
-              <a:rPr lang="en-GB" altLang="en-US" smtClean="0"/>
-              <a:t> by Lutz &amp; Ascher (O'Reilly)</a:t>
+            <a:endParaRPr lang="en-GB" altLang="en-US" dirty="0"/>
+          </a:p>
+          <a:p>
+            <a:r>
+              <a:rPr lang="en-GB" altLang="en-US" dirty="0"/>
+              <a:t>Free Code Camp:</a:t>
+            </a:r>
+            <a:br>
+              <a:rPr lang="en-GB" altLang="en-US" dirty="0"/>
+            </a:br>
+            <a:r>
+              <a:rPr lang="en-GB" b="0" i="0" u="none" strike="noStrike" dirty="0">
+                <a:solidFill>
+                  <a:srgbClr val="24292F"/>
+                </a:solidFill>
+                <a:effectLst/>
+                <a:latin typeface="-apple-system"/>
+                <a:hlinkClick r:id="rId3"/>
+              </a:rPr>
+              <a:t>https://www.freecodecamp.org/learn/scientific-computing-with-python/</a:t>
+            </a:r>
+            <a:endParaRPr lang="en-GB" altLang="en-US" dirty="0"/>
+          </a:p>
+          <a:p>
+            <a:r>
+              <a:rPr lang="en-GB" altLang="en-US" dirty="0"/>
+              <a:t>Python website documents all the standard library modules:</a:t>
             </a:r>
           </a:p>
           <a:p>
@@ -3443,46 +3425,19 @@
               <a:buNone/>
             </a:pPr>
             <a:r>
-              <a:rPr lang="en-GB" altLang="en-US" i="1" smtClean="0"/>
+              <a:rPr lang="en-GB" altLang="en-US" dirty="0"/>
               <a:t>	</a:t>
             </a:r>
             <a:r>
-              <a:rPr lang="en-GB" altLang="en-US" smtClean="0">
-                <a:hlinkClick r:id="rId3"/>
-              </a:rPr>
-              <a:t>https://shop.oreilly.com/product/9781565924642.do</a:t>
-            </a:r>
-            <a:endParaRPr lang="en-GB" altLang="en-US" smtClean="0"/>
-          </a:p>
-          <a:p>
-            <a:r>
-              <a:rPr lang="en-GB" altLang="en-US" smtClean="0"/>
-              <a:t>Python website documents all the standard library modules:</a:t>
-            </a:r>
-          </a:p>
-          <a:p>
-            <a:pPr>
-              <a:buFont typeface="Arial" panose="020B0604020202020204" pitchFamily="34" charset="0"/>
-              <a:buNone/>
-            </a:pPr>
-            <a:r>
-              <a:rPr lang="en-GB" altLang="en-US" smtClean="0"/>
-              <a:t>	</a:t>
-            </a:r>
-            <a:r>
-              <a:rPr lang="en-GB" altLang="en-US" smtClean="0">
+              <a:rPr lang="en-GB" altLang="en-US" dirty="0">
                 <a:hlinkClick r:id="rId4"/>
               </a:rPr>
-              <a:t>https://docs.python.org/3.7</a:t>
-            </a:r>
-            <a:endParaRPr lang="en-GB" altLang="en-US" smtClean="0"/>
-          </a:p>
-          <a:p>
-            <a:pPr>
-              <a:buFont typeface="Arial" panose="020B0604020202020204" pitchFamily="34" charset="0"/>
-              <a:buNone/>
-            </a:pPr>
-            <a:endParaRPr lang="en-GB" altLang="en-US" smtClean="0"/>
+              <a:t>https://docs.python.org/</a:t>
+            </a:r>
+            <a:r>
+              <a:rPr lang="en-GB" altLang="en-US" dirty="0"/>
+              <a:t> </a:t>
+            </a:r>
           </a:p>
         </p:txBody>
       </p:sp>
@@ -3491,13 +3446,6 @@
   <p:clrMapOvr>
     <a:masterClrMapping/>
   </p:clrMapOvr>
-  <p:timing>
-    <p:tnLst>
-      <p:par>
-        <p:cTn id="1" dur="indefinite" restart="never" nodeType="tmRoot"/>
-      </p:par>
-    </p:tnLst>
-  </p:timing>
 </p:sld>
 </file>
 
@@ -3534,7 +3482,7 @@
           <a:lstStyle/>
           <a:p>
             <a:r>
-              <a:rPr lang="en-GB" altLang="en-US" b="1" smtClean="0"/>
+              <a:rPr lang="en-GB" altLang="en-US" b="1"/>
               <a:t>Places to learn more/practice</a:t>
             </a:r>
           </a:p>
@@ -3556,7 +3504,7 @@
           <a:lstStyle/>
           <a:p>
             <a:r>
-              <a:rPr lang="en-GB" altLang="en-US" smtClean="0"/>
+              <a:rPr lang="en-GB" altLang="en-US" dirty="0"/>
               <a:t>Python website also has tutorials:</a:t>
             </a:r>
           </a:p>
@@ -3566,23 +3514,23 @@
               <a:buNone/>
             </a:pPr>
             <a:r>
-              <a:rPr lang="en-GB" altLang="en-US" smtClean="0"/>
+              <a:rPr lang="en-GB" altLang="en-US" dirty="0"/>
               <a:t>	 </a:t>
             </a:r>
             <a:r>
-              <a:rPr lang="en-GB" altLang="en-US" smtClean="0">
+              <a:rPr lang="en-GB" altLang="en-US" dirty="0">
                 <a:hlinkClick r:id="rId2"/>
               </a:rPr>
               <a:t>https://docs.python.org/3/tutorial/</a:t>
             </a:r>
-            <a:endParaRPr lang="en-GB" altLang="en-US" smtClean="0"/>
+            <a:endParaRPr lang="en-GB" altLang="en-US" dirty="0"/>
           </a:p>
           <a:p>
             <a:pPr>
               <a:buFont typeface="Arial" panose="020B0604020202020204" pitchFamily="34" charset="0"/>
               <a:buNone/>
             </a:pPr>
-            <a:endParaRPr lang="en-GB" altLang="en-US" smtClean="0"/>
+            <a:endParaRPr lang="en-GB" altLang="en-US" dirty="0"/>
           </a:p>
           <a:p>
             <a:pPr>
@@ -3591,7 +3539,7 @@
               </a:lnSpc>
             </a:pPr>
             <a:r>
-              <a:rPr lang="en-US" altLang="en-US" smtClean="0"/>
+              <a:rPr lang="en-US" altLang="en-US" dirty="0"/>
               <a:t>Software-Carpentry web site hosts videos and presentations and lots more:</a:t>
             </a:r>
           </a:p>
@@ -3604,16 +3552,16 @@
               <a:buNone/>
             </a:pPr>
             <a:r>
-              <a:rPr lang="en-US" altLang="en-US" smtClean="0"/>
+              <a:rPr lang="en-US" altLang="en-US" dirty="0"/>
               <a:t>	</a:t>
             </a:r>
             <a:r>
-              <a:rPr lang="en-US" altLang="en-US" smtClean="0">
+              <a:rPr lang="en-US" altLang="en-US" dirty="0">
                 <a:hlinkClick r:id="rId3"/>
               </a:rPr>
               <a:t>https://software-carpentry.org/lessons/</a:t>
             </a:r>
-            <a:endParaRPr lang="en-US" altLang="en-US" smtClean="0"/>
+            <a:endParaRPr lang="en-US" altLang="en-US" dirty="0"/>
           </a:p>
           <a:p>
             <a:pPr>
@@ -3623,21 +3571,21 @@
               <a:buFont typeface="Arial" panose="020B0604020202020204" pitchFamily="34" charset="0"/>
               <a:buNone/>
             </a:pPr>
-            <a:endParaRPr lang="en-GB" altLang="en-US" smtClean="0"/>
+            <a:endParaRPr lang="en-GB" altLang="en-US" dirty="0"/>
           </a:p>
           <a:p>
             <a:pPr>
               <a:buFont typeface="Arial" panose="020B0604020202020204" pitchFamily="34" charset="0"/>
               <a:buNone/>
             </a:pPr>
-            <a:endParaRPr lang="en-GB" altLang="en-US" smtClean="0"/>
+            <a:endParaRPr lang="en-GB" altLang="en-US" dirty="0"/>
           </a:p>
           <a:p>
             <a:pPr>
               <a:buFont typeface="Arial" panose="020B0604020202020204" pitchFamily="34" charset="0"/>
               <a:buNone/>
             </a:pPr>
-            <a:endParaRPr lang="en-GB" altLang="en-US" smtClean="0"/>
+            <a:endParaRPr lang="en-GB" altLang="en-US" dirty="0"/>
           </a:p>
         </p:txBody>
       </p:sp>
@@ -3646,13 +3594,6 @@
   <p:clrMapOvr>
     <a:masterClrMapping/>
   </p:clrMapOvr>
-  <p:timing>
-    <p:tnLst>
-      <p:par>
-        <p:cTn id="1" dur="indefinite" restart="never" nodeType="tmRoot"/>
-      </p:par>
-    </p:tnLst>
-  </p:timing>
 </p:sld>
 </file>
 
@@ -4040,13 +3981,6 @@
   <p:clrMapOvr>
     <a:masterClrMapping/>
   </p:clrMapOvr>
-  <p:timing>
-    <p:tnLst>
-      <p:par>
-        <p:cTn id="1" dur="indefinite" restart="never" nodeType="tmRoot"/>
-      </p:par>
-    </p:tnLst>
-  </p:timing>
 </p:sld>
 </file>
 
@@ -4088,7 +4022,7 @@
           <a:lstStyle/>
           <a:p>
             <a:r>
-              <a:rPr lang="en-GB" altLang="en-US" b="1" smtClean="0"/>
+              <a:rPr lang="en-GB" altLang="en-US" b="1"/>
               <a:t>Good luck!</a:t>
             </a:r>
           </a:p>
@@ -4099,13 +4033,6 @@
   <p:clrMapOvr>
     <a:masterClrMapping/>
   </p:clrMapOvr>
-  <p:timing>
-    <p:tnLst>
-      <p:par>
-        <p:cTn id="1" dur="indefinite" restart="never" nodeType="tmRoot"/>
-      </p:par>
-    </p:tnLst>
-  </p:timing>
 </p:sld>
 </file>
 
